--- a/libs/output/DrinkandBeHappy.pptx
+++ b/libs/output/DrinkandBeHappy.pptx
@@ -223,7 +223,7 @@
           <a:p>
             <a:fld id="{3021659C-E6BD-4D56-B7D7-98B50E42CF02}" type="datetimeFigureOut">
               <a:rPr lang="en-US" smtClean="0"/>
-              <a:t>1/23/2019</a:t>
+              <a:t>1/23/19</a:t>
             </a:fld>
             <a:endParaRPr lang="en-US"/>
           </a:p>
@@ -637,7 +637,7 @@
           <a:p>
             <a:fld id="{C2132BAB-B651-EC49-BE3B-F0B1952C44CB}" type="datetimeFigureOut">
               <a:rPr lang="en-US" smtClean="0"/>
-              <a:t>1/23/2019</a:t>
+              <a:t>1/23/19</a:t>
             </a:fld>
             <a:endParaRPr lang="en-US"/>
           </a:p>
@@ -835,7 +835,7 @@
           <a:p>
             <a:fld id="{C2132BAB-B651-EC49-BE3B-F0B1952C44CB}" type="datetimeFigureOut">
               <a:rPr lang="en-US" smtClean="0"/>
-              <a:t>1/23/2019</a:t>
+              <a:t>1/23/19</a:t>
             </a:fld>
             <a:endParaRPr lang="en-US"/>
           </a:p>
@@ -1043,7 +1043,7 @@
           <a:p>
             <a:fld id="{C2132BAB-B651-EC49-BE3B-F0B1952C44CB}" type="datetimeFigureOut">
               <a:rPr lang="en-US" smtClean="0"/>
-              <a:t>1/23/2019</a:t>
+              <a:t>1/23/19</a:t>
             </a:fld>
             <a:endParaRPr lang="en-US"/>
           </a:p>
@@ -1241,7 +1241,7 @@
           <a:p>
             <a:fld id="{C2132BAB-B651-EC49-BE3B-F0B1952C44CB}" type="datetimeFigureOut">
               <a:rPr lang="en-US" smtClean="0"/>
-              <a:t>1/23/2019</a:t>
+              <a:t>1/23/19</a:t>
             </a:fld>
             <a:endParaRPr lang="en-US"/>
           </a:p>
@@ -1516,7 +1516,7 @@
           <a:p>
             <a:fld id="{C2132BAB-B651-EC49-BE3B-F0B1952C44CB}" type="datetimeFigureOut">
               <a:rPr lang="en-US" smtClean="0"/>
-              <a:t>1/23/2019</a:t>
+              <a:t>1/23/19</a:t>
             </a:fld>
             <a:endParaRPr lang="en-US"/>
           </a:p>
@@ -1781,7 +1781,7 @@
           <a:p>
             <a:fld id="{C2132BAB-B651-EC49-BE3B-F0B1952C44CB}" type="datetimeFigureOut">
               <a:rPr lang="en-US" smtClean="0"/>
-              <a:t>1/23/2019</a:t>
+              <a:t>1/23/19</a:t>
             </a:fld>
             <a:endParaRPr lang="en-US"/>
           </a:p>
@@ -2193,7 +2193,7 @@
           <a:p>
             <a:fld id="{C2132BAB-B651-EC49-BE3B-F0B1952C44CB}" type="datetimeFigureOut">
               <a:rPr lang="en-US" smtClean="0"/>
-              <a:t>1/23/2019</a:t>
+              <a:t>1/23/19</a:t>
             </a:fld>
             <a:endParaRPr lang="en-US"/>
           </a:p>
@@ -2334,7 +2334,7 @@
           <a:p>
             <a:fld id="{C2132BAB-B651-EC49-BE3B-F0B1952C44CB}" type="datetimeFigureOut">
               <a:rPr lang="en-US" smtClean="0"/>
-              <a:t>1/23/2019</a:t>
+              <a:t>1/23/19</a:t>
             </a:fld>
             <a:endParaRPr lang="en-US"/>
           </a:p>
@@ -2447,7 +2447,7 @@
           <a:p>
             <a:fld id="{C2132BAB-B651-EC49-BE3B-F0B1952C44CB}" type="datetimeFigureOut">
               <a:rPr lang="en-US" smtClean="0"/>
-              <a:t>1/23/2019</a:t>
+              <a:t>1/23/19</a:t>
             </a:fld>
             <a:endParaRPr lang="en-US"/>
           </a:p>
@@ -2758,7 +2758,7 @@
           <a:p>
             <a:fld id="{C2132BAB-B651-EC49-BE3B-F0B1952C44CB}" type="datetimeFigureOut">
               <a:rPr lang="en-US" smtClean="0"/>
-              <a:t>1/23/2019</a:t>
+              <a:t>1/23/19</a:t>
             </a:fld>
             <a:endParaRPr lang="en-US"/>
           </a:p>
@@ -3046,7 +3046,7 @@
           <a:p>
             <a:fld id="{C2132BAB-B651-EC49-BE3B-F0B1952C44CB}" type="datetimeFigureOut">
               <a:rPr lang="en-US" smtClean="0"/>
-              <a:t>1/23/2019</a:t>
+              <a:t>1/23/19</a:t>
             </a:fld>
             <a:endParaRPr lang="en-US"/>
           </a:p>
@@ -3287,7 +3287,7 @@
           <a:p>
             <a:fld id="{C2132BAB-B651-EC49-BE3B-F0B1952C44CB}" type="datetimeFigureOut">
               <a:rPr lang="en-US" smtClean="0"/>
-              <a:t>1/23/2019</a:t>
+              <a:t>1/23/19</a:t>
             </a:fld>
             <a:endParaRPr lang="en-US"/>
           </a:p>
@@ -12182,7 +12182,7 @@
         </p:blipFill>
         <p:spPr>
           <a:xfrm>
-            <a:off x="2968316" y="1691857"/>
+            <a:off x="3302411" y="4559917"/>
             <a:ext cx="3457884" cy="1258669"/>
           </a:xfrm>
           <a:prstGeom prst="rect">
@@ -12204,7 +12204,7 @@
         </p:nvSpPr>
         <p:spPr>
           <a:xfrm>
-            <a:off x="3127107" y="3066549"/>
+            <a:off x="3425890" y="3482699"/>
             <a:ext cx="3669957" cy="1077218"/>
           </a:xfrm>
           <a:prstGeom prst="rect">
@@ -12294,7 +12294,7 @@
         </p:nvSpPr>
         <p:spPr>
           <a:xfrm>
-            <a:off x="2499360" y="837717"/>
+            <a:off x="2979535" y="521395"/>
             <a:ext cx="2867688" cy="695557"/>
           </a:xfrm>
           <a:prstGeom prst="rect">
@@ -12472,14 +12472,15 @@
           <a:p>
             <a:pPr algn="r"/>
             <a:r>
-              <a:rPr lang="en-US" sz="2200" dirty="0"/>
+              <a:rPr lang="en-US" sz="2200" dirty="0">
+                <a:solidFill>
+                  <a:schemeClr val="accent6">
+                    <a:lumMod val="75000"/>
+                  </a:schemeClr>
+                </a:solidFill>
+              </a:rPr>
               <a:t>The Gini Coefficient</a:t>
             </a:r>
-            <a:endParaRPr lang="en-US" sz="2200" dirty="0">
-              <a:solidFill>
-                <a:srgbClr val="000000"/>
-              </a:solidFill>
-            </a:endParaRPr>
           </a:p>
         </p:txBody>
       </p:sp>
@@ -12497,7 +12498,7 @@
         </p:nvSpPr>
         <p:spPr>
           <a:xfrm>
-            <a:off x="3127107" y="4173515"/>
+            <a:off x="3892207" y="1249234"/>
             <a:ext cx="3954560" cy="2031325"/>
           </a:xfrm>
           <a:prstGeom prst="rect">
@@ -12983,8 +12984,8 @@
         </p:blipFill>
         <p:spPr>
           <a:xfrm>
-            <a:off x="2938658" y="367864"/>
-            <a:ext cx="8050618" cy="5969876"/>
+            <a:off x="3199784" y="157954"/>
+            <a:ext cx="8603428" cy="6379808"/>
           </a:xfrm>
           <a:prstGeom prst="rect">
             <a:avLst/>
@@ -13037,7 +13038,7 @@
         </p:nvSpPr>
         <p:spPr>
           <a:xfrm>
-            <a:off x="2938658" y="5223640"/>
+            <a:off x="3211929" y="5364525"/>
             <a:ext cx="5259411" cy="430927"/>
           </a:xfrm>
           <a:prstGeom prst="rect">
@@ -13239,7 +13240,7 @@
         </p:nvSpPr>
         <p:spPr>
           <a:xfrm>
-            <a:off x="2889982" y="5654567"/>
+            <a:off x="3348563" y="5644058"/>
             <a:ext cx="6096000" cy="646331"/>
           </a:xfrm>
           <a:prstGeom prst="rect">
